--- a/ProjectCsharpFinal/picture/icon.pptx
+++ b/ProjectCsharpFinal/picture/icon.pptx
@@ -278,7 +278,7 @@
           <a:p>
             <a:fld id="{7902B7EE-903E-48B1-BAB3-F436050F7E0D}" type="datetimeFigureOut">
               <a:rPr lang="en-US" smtClean="0"/>
-              <a:t>12/30/2020</a:t>
+              <a:t>1/4/2021</a:t>
             </a:fld>
             <a:endParaRPr lang="en-US"/>
           </a:p>
@@ -476,7 +476,7 @@
           <a:p>
             <a:fld id="{7902B7EE-903E-48B1-BAB3-F436050F7E0D}" type="datetimeFigureOut">
               <a:rPr lang="en-US" smtClean="0"/>
-              <a:t>12/30/2020</a:t>
+              <a:t>1/4/2021</a:t>
             </a:fld>
             <a:endParaRPr lang="en-US"/>
           </a:p>
@@ -684,7 +684,7 @@
           <a:p>
             <a:fld id="{7902B7EE-903E-48B1-BAB3-F436050F7E0D}" type="datetimeFigureOut">
               <a:rPr lang="en-US" smtClean="0"/>
-              <a:t>12/30/2020</a:t>
+              <a:t>1/4/2021</a:t>
             </a:fld>
             <a:endParaRPr lang="en-US"/>
           </a:p>
@@ -882,7 +882,7 @@
           <a:p>
             <a:fld id="{7902B7EE-903E-48B1-BAB3-F436050F7E0D}" type="datetimeFigureOut">
               <a:rPr lang="en-US" smtClean="0"/>
-              <a:t>12/30/2020</a:t>
+              <a:t>1/4/2021</a:t>
             </a:fld>
             <a:endParaRPr lang="en-US"/>
           </a:p>
@@ -1157,7 +1157,7 @@
           <a:p>
             <a:fld id="{7902B7EE-903E-48B1-BAB3-F436050F7E0D}" type="datetimeFigureOut">
               <a:rPr lang="en-US" smtClean="0"/>
-              <a:t>12/30/2020</a:t>
+              <a:t>1/4/2021</a:t>
             </a:fld>
             <a:endParaRPr lang="en-US"/>
           </a:p>
@@ -1422,7 +1422,7 @@
           <a:p>
             <a:fld id="{7902B7EE-903E-48B1-BAB3-F436050F7E0D}" type="datetimeFigureOut">
               <a:rPr lang="en-US" smtClean="0"/>
-              <a:t>12/30/2020</a:t>
+              <a:t>1/4/2021</a:t>
             </a:fld>
             <a:endParaRPr lang="en-US"/>
           </a:p>
@@ -1834,7 +1834,7 @@
           <a:p>
             <a:fld id="{7902B7EE-903E-48B1-BAB3-F436050F7E0D}" type="datetimeFigureOut">
               <a:rPr lang="en-US" smtClean="0"/>
-              <a:t>12/30/2020</a:t>
+              <a:t>1/4/2021</a:t>
             </a:fld>
             <a:endParaRPr lang="en-US"/>
           </a:p>
@@ -1975,7 +1975,7 @@
           <a:p>
             <a:fld id="{7902B7EE-903E-48B1-BAB3-F436050F7E0D}" type="datetimeFigureOut">
               <a:rPr lang="en-US" smtClean="0"/>
-              <a:t>12/30/2020</a:t>
+              <a:t>1/4/2021</a:t>
             </a:fld>
             <a:endParaRPr lang="en-US"/>
           </a:p>
@@ -2088,7 +2088,7 @@
           <a:p>
             <a:fld id="{7902B7EE-903E-48B1-BAB3-F436050F7E0D}" type="datetimeFigureOut">
               <a:rPr lang="en-US" smtClean="0"/>
-              <a:t>12/30/2020</a:t>
+              <a:t>1/4/2021</a:t>
             </a:fld>
             <a:endParaRPr lang="en-US"/>
           </a:p>
@@ -2399,7 +2399,7 @@
           <a:p>
             <a:fld id="{7902B7EE-903E-48B1-BAB3-F436050F7E0D}" type="datetimeFigureOut">
               <a:rPr lang="en-US" smtClean="0"/>
-              <a:t>12/30/2020</a:t>
+              <a:t>1/4/2021</a:t>
             </a:fld>
             <a:endParaRPr lang="en-US"/>
           </a:p>
@@ -2687,7 +2687,7 @@
           <a:p>
             <a:fld id="{7902B7EE-903E-48B1-BAB3-F436050F7E0D}" type="datetimeFigureOut">
               <a:rPr lang="en-US" smtClean="0"/>
-              <a:t>12/30/2020</a:t>
+              <a:t>1/4/2021</a:t>
             </a:fld>
             <a:endParaRPr lang="en-US"/>
           </a:p>
@@ -2928,7 +2928,7 @@
           <a:p>
             <a:fld id="{7902B7EE-903E-48B1-BAB3-F436050F7E0D}" type="datetimeFigureOut">
               <a:rPr lang="en-US" smtClean="0"/>
-              <a:t>12/30/2020</a:t>
+              <a:t>1/4/2021</a:t>
             </a:fld>
             <a:endParaRPr lang="en-US"/>
           </a:p>
@@ -3604,10 +3604,12 @@
             </a:avLst>
           </a:prstGeom>
           <a:solidFill>
-            <a:srgbClr val="8A9096"/>
+            <a:srgbClr val="18222D"/>
           </a:solidFill>
           <a:ln>
-            <a:noFill/>
+            <a:solidFill>
+              <a:srgbClr val="FFFFFF"/>
+            </a:solidFill>
           </a:ln>
         </p:spPr>
         <p:style>
@@ -3687,10 +3689,10 @@
       </p:sp>
       <p:grpSp>
         <p:nvGrpSpPr>
-          <p:cNvPr id="2" name="Group 1">
-            <a:extLst>
-              <a:ext uri="{FF2B5EF4-FFF2-40B4-BE49-F238E27FC236}">
-                <a16:creationId xmlns:a16="http://schemas.microsoft.com/office/drawing/2014/main" id="{55F9280B-C9B2-45E5-A6AE-55CF0CDF2BA6}"/>
+          <p:cNvPr id="6" name="Group 5">
+            <a:extLst>
+              <a:ext uri="{FF2B5EF4-FFF2-40B4-BE49-F238E27FC236}">
+                <a16:creationId xmlns:a16="http://schemas.microsoft.com/office/drawing/2014/main" id="{2D7D60F2-F417-40DE-9C65-415BC5503CC9}"/>
               </a:ext>
             </a:extLst>
           </p:cNvPr>
@@ -3757,10 +3759,10 @@
         </p:sp>
         <p:pic>
           <p:nvPicPr>
-            <p:cNvPr id="7" name="Picture 6">
+            <p:cNvPr id="4" name="Picture 3">
               <a:extLst>
                 <a:ext uri="{FF2B5EF4-FFF2-40B4-BE49-F238E27FC236}">
-                  <a16:creationId xmlns:a16="http://schemas.microsoft.com/office/drawing/2014/main" id="{BD75462C-A54E-460A-B6EA-535C0BD0D3FD}"/>
+                  <a16:creationId xmlns:a16="http://schemas.microsoft.com/office/drawing/2014/main" id="{349FDE43-D8F1-49DD-8A91-0137090A1B20}"/>
                 </a:ext>
               </a:extLst>
             </p:cNvPr>
@@ -3783,12 +3785,15 @@
           </p:blipFill>
           <p:spPr>
             <a:xfrm>
-              <a:off x="4798575" y="2131575"/>
-              <a:ext cx="2594849" cy="2594849"/>
+              <a:off x="4566089" y="1899089"/>
+              <a:ext cx="3059822" cy="3059822"/>
             </a:xfrm>
             <a:prstGeom prst="rect">
               <a:avLst/>
             </a:prstGeom>
+            <a:ln>
+              <a:noFill/>
+            </a:ln>
           </p:spPr>
         </p:pic>
       </p:grpSp>
@@ -3894,7 +3899,7 @@
             </a:pathLst>
           </a:custGeom>
           <a:solidFill>
-            <a:srgbClr val="8A9096"/>
+            <a:srgbClr val="858B91"/>
           </a:solidFill>
           <a:ln>
             <a:solidFill>
@@ -4054,6 +4059,42 @@
           </p:txBody>
         </p:sp>
       </p:grpSp>
+      <p:pic>
+        <p:nvPicPr>
+          <p:cNvPr id="3" name="Picture 2">
+            <a:extLst>
+              <a:ext uri="{FF2B5EF4-FFF2-40B4-BE49-F238E27FC236}">
+                <a16:creationId xmlns:a16="http://schemas.microsoft.com/office/drawing/2014/main" id="{EAEE762E-ED61-48CD-97B1-5DE7F8A15D72}"/>
+              </a:ext>
+            </a:extLst>
+          </p:cNvPr>
+          <p:cNvPicPr>
+            <a:picLocks noChangeAspect="1"/>
+          </p:cNvPicPr>
+          <p:nvPr/>
+        </p:nvPicPr>
+        <p:blipFill>
+          <a:blip r:embed="rId2">
+            <a:extLst>
+              <a:ext uri="{28A0092B-C50C-407E-A947-70E740481C1C}">
+                <a14:useLocalDpi xmlns:a14="http://schemas.microsoft.com/office/drawing/2010/main" val="0"/>
+              </a:ext>
+            </a:extLst>
+          </a:blip>
+          <a:stretch>
+            <a:fillRect/>
+          </a:stretch>
+        </p:blipFill>
+        <p:spPr>
+          <a:xfrm rot="10800000">
+            <a:off x="5795286" y="625145"/>
+            <a:ext cx="4876190" cy="4876190"/>
+          </a:xfrm>
+          <a:prstGeom prst="rect">
+            <a:avLst/>
+          </a:prstGeom>
+        </p:spPr>
+      </p:pic>
     </p:spTree>
     <p:extLst>
       <p:ext uri="{BB962C8B-B14F-4D97-AF65-F5344CB8AC3E}">
